--- a/Presentation 3.pptx
+++ b/Presentation 3.pptx
@@ -4762,7 +4762,7 @@
           <a:p>
             <a:r>
               <a:rPr lang="en-US" dirty="0"/>
-              <a:t>      print “It is a weekday”</a:t>
+              <a:t>      print “weekday”</a:t>
             </a:r>
           </a:p>
           <a:p>
@@ -4774,7 +4774,15 @@
           <a:p>
             <a:r>
               <a:rPr lang="en-US" dirty="0"/>
-              <a:t>    print “It is the weekend”</a:t>
+              <a:t>    </a:t>
+            </a:r>
+            <a:r>
+              <a:rPr lang="en-US"/>
+              <a:t>print “weekend</a:t>
+            </a:r>
+            <a:r>
+              <a:rPr lang="en-US" dirty="0"/>
+              <a:t>”</a:t>
             </a:r>
           </a:p>
           <a:p>
@@ -4846,10 +4854,9 @@
               <a:t>Weekdend</a:t>
             </a:r>
             <a:r>
-              <a:rPr lang="en-US"/>
+              <a:rPr lang="en-US" dirty="0"/>
               <a:t>")else:    print("This is not a correct input")</a:t>
             </a:r>
-            <a:endParaRPr lang="en-US" dirty="0"/>
           </a:p>
         </p:txBody>
       </p:sp>
